--- a/INTRODUCTION TO EMERGING TECHNOLOGIES.pptx
+++ b/INTRODUCTION TO EMERGING TECHNOLOGIES.pptx
@@ -25288,7 +25288,7 @@
         <p:spPr>
           <a:xfrm>
             <a:off x="1666144" y="529002"/>
-            <a:ext cx="5625610" cy="763600"/>
+            <a:ext cx="6039200" cy="763600"/>
           </a:xfrm>
           <a:prstGeom prst="rect">
             <a:avLst/>
@@ -25302,7 +25302,11 @@
           <a:p>
             <a:r>
               <a:rPr lang="en-US" b="1" dirty="0"/>
-              <a:t>Industrial Revolution (IR2)</a:t>
+              <a:t>Industrial Revolution (</a:t>
+            </a:r>
+            <a:r>
+              <a:rPr lang="en-US" b="1" dirty="0" smtClean="0"/>
+              <a:t>IR 2.0)</a:t>
             </a:r>
             <a:endParaRPr lang="en-US" dirty="0"/>
           </a:p>
